--- a/images/rings_view.pptx
+++ b/images/rings_view.pptx
@@ -104,6 +104,11 @@
       </a:defRPr>
     </a:lvl9pPr>
   </p:defaultTextStyle>
+  <p:extLst>
+    <p:ext uri="{EFAFB233-063F-42B5-8137-9DF3F51BA10A}">
+      <p15:sldGuideLst xmlns:p15="http://schemas.microsoft.com/office/powerpoint/2012/main"/>
+    </p:ext>
+  </p:extLst>
 </p:presentation>
 </file>
 
@@ -254,7 +259,7 @@
           <a:p>
             <a:fld id="{21E551C3-7F2F-4BDB-9D5B-1CD444400D03}" type="datetimeFigureOut">
               <a:rPr lang="pl-PL" smtClean="0"/>
-              <a:t>15.11.2024</a:t>
+              <a:t>16.11.2024</a:t>
             </a:fld>
             <a:endParaRPr lang="pl-PL"/>
           </a:p>
@@ -452,7 +457,7 @@
           <a:p>
             <a:fld id="{21E551C3-7F2F-4BDB-9D5B-1CD444400D03}" type="datetimeFigureOut">
               <a:rPr lang="pl-PL" smtClean="0"/>
-              <a:t>15.11.2024</a:t>
+              <a:t>16.11.2024</a:t>
             </a:fld>
             <a:endParaRPr lang="pl-PL"/>
           </a:p>
@@ -660,7 +665,7 @@
           <a:p>
             <a:fld id="{21E551C3-7F2F-4BDB-9D5B-1CD444400D03}" type="datetimeFigureOut">
               <a:rPr lang="pl-PL" smtClean="0"/>
-              <a:t>15.11.2024</a:t>
+              <a:t>16.11.2024</a:t>
             </a:fld>
             <a:endParaRPr lang="pl-PL"/>
           </a:p>
@@ -858,7 +863,7 @@
           <a:p>
             <a:fld id="{21E551C3-7F2F-4BDB-9D5B-1CD444400D03}" type="datetimeFigureOut">
               <a:rPr lang="pl-PL" smtClean="0"/>
-              <a:t>15.11.2024</a:t>
+              <a:t>16.11.2024</a:t>
             </a:fld>
             <a:endParaRPr lang="pl-PL"/>
           </a:p>
@@ -1133,7 +1138,7 @@
           <a:p>
             <a:fld id="{21E551C3-7F2F-4BDB-9D5B-1CD444400D03}" type="datetimeFigureOut">
               <a:rPr lang="pl-PL" smtClean="0"/>
-              <a:t>15.11.2024</a:t>
+              <a:t>16.11.2024</a:t>
             </a:fld>
             <a:endParaRPr lang="pl-PL"/>
           </a:p>
@@ -1398,7 +1403,7 @@
           <a:p>
             <a:fld id="{21E551C3-7F2F-4BDB-9D5B-1CD444400D03}" type="datetimeFigureOut">
               <a:rPr lang="pl-PL" smtClean="0"/>
-              <a:t>15.11.2024</a:t>
+              <a:t>16.11.2024</a:t>
             </a:fld>
             <a:endParaRPr lang="pl-PL"/>
           </a:p>
@@ -1810,7 +1815,7 @@
           <a:p>
             <a:fld id="{21E551C3-7F2F-4BDB-9D5B-1CD444400D03}" type="datetimeFigureOut">
               <a:rPr lang="pl-PL" smtClean="0"/>
-              <a:t>15.11.2024</a:t>
+              <a:t>16.11.2024</a:t>
             </a:fld>
             <a:endParaRPr lang="pl-PL"/>
           </a:p>
@@ -1951,7 +1956,7 @@
           <a:p>
             <a:fld id="{21E551C3-7F2F-4BDB-9D5B-1CD444400D03}" type="datetimeFigureOut">
               <a:rPr lang="pl-PL" smtClean="0"/>
-              <a:t>15.11.2024</a:t>
+              <a:t>16.11.2024</a:t>
             </a:fld>
             <a:endParaRPr lang="pl-PL"/>
           </a:p>
@@ -2064,7 +2069,7 @@
           <a:p>
             <a:fld id="{21E551C3-7F2F-4BDB-9D5B-1CD444400D03}" type="datetimeFigureOut">
               <a:rPr lang="pl-PL" smtClean="0"/>
-              <a:t>15.11.2024</a:t>
+              <a:t>16.11.2024</a:t>
             </a:fld>
             <a:endParaRPr lang="pl-PL"/>
           </a:p>
@@ -2375,7 +2380,7 @@
           <a:p>
             <a:fld id="{21E551C3-7F2F-4BDB-9D5B-1CD444400D03}" type="datetimeFigureOut">
               <a:rPr lang="pl-PL" smtClean="0"/>
-              <a:t>15.11.2024</a:t>
+              <a:t>16.11.2024</a:t>
             </a:fld>
             <a:endParaRPr lang="pl-PL"/>
           </a:p>
@@ -2663,7 +2668,7 @@
           <a:p>
             <a:fld id="{21E551C3-7F2F-4BDB-9D5B-1CD444400D03}" type="datetimeFigureOut">
               <a:rPr lang="pl-PL" smtClean="0"/>
-              <a:t>15.11.2024</a:t>
+              <a:t>16.11.2024</a:t>
             </a:fld>
             <a:endParaRPr lang="pl-PL"/>
           </a:p>
@@ -2904,7 +2909,7 @@
           <a:p>
             <a:fld id="{21E551C3-7F2F-4BDB-9D5B-1CD444400D03}" type="datetimeFigureOut">
               <a:rPr lang="pl-PL" smtClean="0"/>
-              <a:t>15.11.2024</a:t>
+              <a:t>16.11.2024</a:t>
             </a:fld>
             <a:endParaRPr lang="pl-PL"/>
           </a:p>
@@ -3381,14 +3386,16 @@
               <a:gd name="adj3" fmla="val 8691"/>
             </a:avLst>
           </a:prstGeom>
-          <a:noFill/>
+          <a:solidFill>
+            <a:schemeClr val="bg1"/>
+          </a:solidFill>
           <a:ln>
             <a:solidFill>
               <a:schemeClr val="tx1"/>
             </a:solidFill>
           </a:ln>
           <a:scene3d>
-            <a:camera prst="perspectiveHeroicExtremeLeftFacing"/>
+            <a:camera prst="perspectiveContrastingLeftFacing"/>
             <a:lightRig rig="threePt" dir="t"/>
           </a:scene3d>
         </p:spPr>
@@ -3431,8 +3438,8 @@
         </p:nvSpPr>
         <p:spPr>
           <a:xfrm>
-            <a:off x="3291052" y="630621"/>
-            <a:ext cx="1047403" cy="369332"/>
+            <a:off x="3414007" y="630621"/>
+            <a:ext cx="1637308" cy="369332"/>
           </a:xfrm>
           <a:prstGeom prst="rect">
             <a:avLst/>
@@ -3451,7 +3458,7 @@
             </a:r>
             <a:r>
               <a:rPr lang="pl-PL" dirty="0"/>
-              <a:t> Ring</a:t>
+              <a:t> Hand Ring</a:t>
             </a:r>
           </a:p>
         </p:txBody>
@@ -3470,8 +3477,8 @@
         </p:nvSpPr>
         <p:spPr>
           <a:xfrm>
-            <a:off x="7653423" y="630621"/>
-            <a:ext cx="1172116" cy="369332"/>
+            <a:off x="7140686" y="630621"/>
+            <a:ext cx="1762021" cy="369332"/>
           </a:xfrm>
           <a:prstGeom prst="rect">
             <a:avLst/>
@@ -3484,9 +3491,10 @@
           </a:bodyPr>
           <a:lstStyle/>
           <a:p>
+            <a:pPr algn="r"/>
             <a:r>
               <a:rPr lang="pl-PL" dirty="0"/>
-              <a:t>Right Ring</a:t>
+              <a:t>Right Hand Ring</a:t>
             </a:r>
           </a:p>
         </p:txBody>
@@ -3504,9 +3512,9 @@
           <p:nvPr/>
         </p:nvSpPr>
         <p:spPr>
-          <a:xfrm rot="19253085">
-            <a:off x="4684041" y="2529606"/>
-            <a:ext cx="842923" cy="307777"/>
+          <a:xfrm rot="19493210">
+            <a:off x="4570221" y="2603105"/>
+            <a:ext cx="1048051" cy="369332"/>
           </a:xfrm>
           <a:prstGeom prst="rect">
             <a:avLst/>
@@ -3531,24 +3539,24 @@
           </a:fontRef>
         </p:style>
         <p:txBody>
-          <a:bodyPr wrap="none" rtlCol="0">
+          <a:bodyPr wrap="square" rtlCol="0">
             <a:spAutoFit/>
           </a:bodyPr>
           <a:lstStyle/>
           <a:p>
             <a:r>
-              <a:rPr lang="pl-PL" sz="1400" dirty="0" err="1"/>
+              <a:rPr lang="pl-PL" dirty="0" err="1"/>
               <a:t>left</a:t>
             </a:r>
             <a:r>
-              <a:rPr lang="pl-PL" sz="1400" dirty="0"/>
+              <a:rPr lang="pl-PL" dirty="0"/>
               <a:t> </a:t>
             </a:r>
             <a:r>
-              <a:rPr lang="pl-PL" sz="1400" dirty="0" err="1"/>
+              <a:rPr lang="pl-PL" dirty="0" err="1"/>
               <a:t>click</a:t>
             </a:r>
-            <a:endParaRPr lang="pl-PL" sz="1400" dirty="0"/>
+            <a:endParaRPr lang="pl-PL" dirty="0"/>
           </a:p>
         </p:txBody>
       </p:sp>
@@ -3565,9 +3573,9 @@
           <p:nvPr/>
         </p:nvSpPr>
         <p:spPr>
-          <a:xfrm rot="19100802">
-            <a:off x="2516359" y="3825009"/>
-            <a:ext cx="934871" cy="307777"/>
+          <a:xfrm rot="19464703">
+            <a:off x="2609469" y="3694573"/>
+            <a:ext cx="827471" cy="276999"/>
           </a:xfrm>
           <a:prstGeom prst="rect">
             <a:avLst/>
@@ -3597,19 +3605,20 @@
           </a:bodyPr>
           <a:lstStyle/>
           <a:p>
-            <a:r>
-              <a:rPr lang="pl-PL" sz="1400" dirty="0" err="1"/>
+            <a:pPr algn="r"/>
+            <a:r>
+              <a:rPr lang="pl-PL" sz="1200" dirty="0" err="1"/>
               <a:t>right</a:t>
             </a:r>
             <a:r>
-              <a:rPr lang="pl-PL" sz="1400" dirty="0"/>
+              <a:rPr lang="pl-PL" sz="1200" dirty="0"/>
               <a:t> </a:t>
             </a:r>
             <a:r>
-              <a:rPr lang="pl-PL" sz="1400" dirty="0" err="1"/>
+              <a:rPr lang="pl-PL" sz="1200" dirty="0" err="1"/>
               <a:t>click</a:t>
             </a:r>
-            <a:endParaRPr lang="pl-PL" sz="1400" dirty="0"/>
+            <a:endParaRPr lang="pl-PL" sz="1200" dirty="0"/>
           </a:p>
         </p:txBody>
       </p:sp>
@@ -3626,9 +3635,9 @@
           <p:nvPr/>
         </p:nvSpPr>
         <p:spPr>
-          <a:xfrm rot="19202106">
-            <a:off x="2859294" y="2204682"/>
-            <a:ext cx="853888" cy="307777"/>
+          <a:xfrm rot="19476682">
+            <a:off x="2811396" y="2189294"/>
+            <a:ext cx="949684" cy="338554"/>
           </a:xfrm>
           <a:prstGeom prst="rect">
             <a:avLst/>
@@ -3658,19 +3667,20 @@
           </a:bodyPr>
           <a:lstStyle/>
           <a:p>
-            <a:r>
-              <a:rPr lang="pl-PL" sz="1400" dirty="0" err="1"/>
+            <a:pPr algn="ctr"/>
+            <a:r>
+              <a:rPr lang="pl-PL" sz="1600" dirty="0" err="1"/>
               <a:t>scroll</a:t>
             </a:r>
             <a:r>
-              <a:rPr lang="pl-PL" sz="1400" dirty="0"/>
+              <a:rPr lang="pl-PL" sz="1600" dirty="0"/>
               <a:t> </a:t>
             </a:r>
             <a:r>
-              <a:rPr lang="pl-PL" sz="1400" dirty="0" err="1"/>
+              <a:rPr lang="pl-PL" sz="1600" dirty="0" err="1"/>
               <a:t>up</a:t>
             </a:r>
-            <a:endParaRPr lang="pl-PL" sz="1400" dirty="0"/>
+            <a:endParaRPr lang="pl-PL" sz="1600" dirty="0"/>
           </a:p>
         </p:txBody>
       </p:sp>
@@ -3687,8 +3697,8 @@
           <p:nvPr/>
         </p:nvSpPr>
         <p:spPr>
-          <a:xfrm rot="19449586">
-            <a:off x="4170018" y="4133560"/>
+          <a:xfrm rot="19705260">
+            <a:off x="4138488" y="4149325"/>
             <a:ext cx="1079783" cy="307777"/>
           </a:xfrm>
           <a:prstGeom prst="rect">
@@ -3719,6 +3729,7 @@
           </a:bodyPr>
           <a:lstStyle/>
           <a:p>
+            <a:pPr algn="ctr"/>
             <a:r>
               <a:rPr lang="pl-PL" sz="1400" dirty="0" err="1"/>
               <a:t>scroll</a:t>
@@ -3754,7 +3765,9 @@
               <a:gd name="adj3" fmla="val 9325"/>
             </a:avLst>
           </a:prstGeom>
-          <a:noFill/>
+          <a:solidFill>
+            <a:schemeClr val="bg1"/>
+          </a:solidFill>
           <a:ln>
             <a:solidFill>
               <a:schemeClr val="tx1"/>
@@ -3804,8 +3817,8 @@
         </p:nvSpPr>
         <p:spPr>
           <a:xfrm rot="1443252">
-            <a:off x="5647112" y="2905471"/>
-            <a:ext cx="842923" cy="307777"/>
+            <a:off x="5475959" y="2835284"/>
+            <a:ext cx="1027589" cy="369332"/>
           </a:xfrm>
           <a:prstGeom prst="rect">
             <a:avLst/>
@@ -3835,19 +3848,20 @@
           </a:bodyPr>
           <a:lstStyle/>
           <a:p>
-            <a:r>
-              <a:rPr lang="pl-PL" sz="1400" dirty="0" err="1"/>
+            <a:pPr algn="r"/>
+            <a:r>
+              <a:rPr lang="pl-PL" dirty="0" err="1"/>
               <a:t>left</a:t>
             </a:r>
             <a:r>
-              <a:rPr lang="pl-PL" sz="1400" dirty="0"/>
+              <a:rPr lang="pl-PL" dirty="0"/>
               <a:t> </a:t>
             </a:r>
             <a:r>
-              <a:rPr lang="pl-PL" sz="1400" dirty="0" err="1"/>
+              <a:rPr lang="pl-PL" dirty="0" err="1"/>
               <a:t>click</a:t>
             </a:r>
-            <a:endParaRPr lang="pl-PL" sz="1400" dirty="0"/>
+            <a:endParaRPr lang="pl-PL" dirty="0"/>
           </a:p>
         </p:txBody>
       </p:sp>
@@ -3926,8 +3940,8 @@
         </p:nvSpPr>
         <p:spPr>
           <a:xfrm rot="1405972">
-            <a:off x="7190539" y="2571094"/>
-            <a:ext cx="853888" cy="307777"/>
+            <a:off x="7142641" y="2555706"/>
+            <a:ext cx="949684" cy="338554"/>
           </a:xfrm>
           <a:prstGeom prst="rect">
             <a:avLst/>
@@ -3957,19 +3971,20 @@
           </a:bodyPr>
           <a:lstStyle/>
           <a:p>
-            <a:r>
-              <a:rPr lang="pl-PL" sz="1400" dirty="0" err="1"/>
+            <a:pPr algn="ctr"/>
+            <a:r>
+              <a:rPr lang="pl-PL" sz="1600" dirty="0" err="1"/>
               <a:t>scroll</a:t>
             </a:r>
             <a:r>
-              <a:rPr lang="pl-PL" sz="1400" dirty="0"/>
+              <a:rPr lang="pl-PL" sz="1600" dirty="0"/>
               <a:t> </a:t>
             </a:r>
             <a:r>
-              <a:rPr lang="pl-PL" sz="1400" dirty="0" err="1"/>
+              <a:rPr lang="pl-PL" sz="1600" dirty="0" err="1"/>
               <a:t>up</a:t>
             </a:r>
-            <a:endParaRPr lang="pl-PL" sz="1400" dirty="0"/>
+            <a:endParaRPr lang="pl-PL" sz="1600" dirty="0"/>
           </a:p>
         </p:txBody>
       </p:sp>
@@ -3987,7 +4002,7 @@
         </p:nvSpPr>
         <p:spPr>
           <a:xfrm>
-            <a:off x="2698127" y="4345955"/>
+            <a:off x="2670540" y="4263183"/>
             <a:ext cx="1035861" cy="523220"/>
           </a:xfrm>
           <a:prstGeom prst="rect">
@@ -4059,7 +4074,7 @@
         </p:nvSpPr>
         <p:spPr>
           <a:xfrm rot="2676613">
-            <a:off x="3396150" y="3301267"/>
+            <a:off x="3344915" y="3301267"/>
             <a:ext cx="441268" cy="1099850"/>
           </a:xfrm>
           <a:prstGeom prst="upArrow">
@@ -4071,7 +4086,7 @@
           <a:solidFill>
             <a:schemeClr val="bg1"/>
           </a:solidFill>
-          <a:ln>
+          <a:ln w="28575">
             <a:solidFill>
               <a:schemeClr val="tx1"/>
             </a:solidFill>
@@ -4108,6 +4123,63 @@
       </p:sp>
       <p:sp>
         <p:nvSpPr>
+          <p:cNvPr id="18" name="pole tekstowe 17">
+            <a:extLst>
+              <a:ext uri="{FF2B5EF4-FFF2-40B4-BE49-F238E27FC236}">
+                <a16:creationId xmlns:a16="http://schemas.microsoft.com/office/drawing/2014/main" id="{823241AE-8F05-16A9-C2EA-AC3C0CF7B086}"/>
+              </a:ext>
+            </a:extLst>
+          </p:cNvPr>
+          <p:cNvSpPr txBox="1"/>
+          <p:nvPr/>
+        </p:nvSpPr>
+        <p:spPr>
+          <a:xfrm rot="1405972">
+            <a:off x="6116548" y="4649066"/>
+            <a:ext cx="1079783" cy="307777"/>
+          </a:xfrm>
+          <a:prstGeom prst="rect">
+            <a:avLst/>
+          </a:prstGeom>
+          <a:scene3d>
+            <a:camera prst="isometricOffAxis2Left"/>
+            <a:lightRig rig="threePt" dir="t"/>
+          </a:scene3d>
+        </p:spPr>
+        <p:style>
+          <a:lnRef idx="2">
+            <a:schemeClr val="dk1"/>
+          </a:lnRef>
+          <a:fillRef idx="1">
+            <a:schemeClr val="lt1"/>
+          </a:fillRef>
+          <a:effectRef idx="0">
+            <a:schemeClr val="dk1"/>
+          </a:effectRef>
+          <a:fontRef idx="minor">
+            <a:schemeClr val="dk1"/>
+          </a:fontRef>
+        </p:style>
+        <p:txBody>
+          <a:bodyPr wrap="none" rtlCol="0">
+            <a:spAutoFit/>
+          </a:bodyPr>
+          <a:lstStyle/>
+          <a:p>
+            <a:pPr algn="ctr"/>
+            <a:r>
+              <a:rPr lang="pl-PL" sz="1400" dirty="0" err="1"/>
+              <a:t>scroll</a:t>
+            </a:r>
+            <a:r>
+              <a:rPr lang="pl-PL" sz="1400" dirty="0"/>
+              <a:t> down</a:t>
+            </a:r>
+          </a:p>
+        </p:txBody>
+      </p:sp>
+      <p:sp>
+        <p:nvSpPr>
           <p:cNvPr id="23" name="Strzałka: w górę 22">
             <a:extLst>
               <a:ext uri="{FF2B5EF4-FFF2-40B4-BE49-F238E27FC236}">
@@ -4120,8 +4192,8 @@
         </p:nvSpPr>
         <p:spPr>
           <a:xfrm rot="1185101">
-            <a:off x="6736213" y="3730864"/>
-            <a:ext cx="330363" cy="1642871"/>
+            <a:off x="6696757" y="3877437"/>
+            <a:ext cx="330363" cy="1488931"/>
           </a:xfrm>
           <a:prstGeom prst="upArrow">
             <a:avLst>
@@ -4180,9 +4252,9 @@
           <p:nvPr/>
         </p:nvSpPr>
         <p:spPr>
-          <a:xfrm rot="240056">
-            <a:off x="6002288" y="5384137"/>
-            <a:ext cx="1266039" cy="523220"/>
+          <a:xfrm rot="21418538">
+            <a:off x="6131649" y="5359677"/>
+            <a:ext cx="1033943" cy="523220"/>
           </a:xfrm>
           <a:prstGeom prst="rect">
             <a:avLst/>
@@ -4235,62 +4307,6 @@
             <a:r>
               <a:rPr lang="pl-PL" sz="1400" dirty="0"/>
               <a:t>reset</a:t>
-            </a:r>
-          </a:p>
-        </p:txBody>
-      </p:sp>
-      <p:sp>
-        <p:nvSpPr>
-          <p:cNvPr id="18" name="pole tekstowe 17">
-            <a:extLst>
-              <a:ext uri="{FF2B5EF4-FFF2-40B4-BE49-F238E27FC236}">
-                <a16:creationId xmlns:a16="http://schemas.microsoft.com/office/drawing/2014/main" id="{823241AE-8F05-16A9-C2EA-AC3C0CF7B086}"/>
-              </a:ext>
-            </a:extLst>
-          </p:cNvPr>
-          <p:cNvSpPr txBox="1"/>
-          <p:nvPr/>
-        </p:nvSpPr>
-        <p:spPr>
-          <a:xfrm rot="1405972">
-            <a:off x="6116548" y="4649066"/>
-            <a:ext cx="1079783" cy="307777"/>
-          </a:xfrm>
-          <a:prstGeom prst="rect">
-            <a:avLst/>
-          </a:prstGeom>
-          <a:scene3d>
-            <a:camera prst="isometricOffAxis2Left"/>
-            <a:lightRig rig="threePt" dir="t"/>
-          </a:scene3d>
-        </p:spPr>
-        <p:style>
-          <a:lnRef idx="2">
-            <a:schemeClr val="dk1"/>
-          </a:lnRef>
-          <a:fillRef idx="1">
-            <a:schemeClr val="lt1"/>
-          </a:fillRef>
-          <a:effectRef idx="0">
-            <a:schemeClr val="dk1"/>
-          </a:effectRef>
-          <a:fontRef idx="minor">
-            <a:schemeClr val="dk1"/>
-          </a:fontRef>
-        </p:style>
-        <p:txBody>
-          <a:bodyPr wrap="none" rtlCol="0">
-            <a:spAutoFit/>
-          </a:bodyPr>
-          <a:lstStyle/>
-          <a:p>
-            <a:r>
-              <a:rPr lang="pl-PL" sz="1400" dirty="0" err="1"/>
-              <a:t>scroll</a:t>
-            </a:r>
-            <a:r>
-              <a:rPr lang="pl-PL" sz="1400" dirty="0"/>
-              <a:t> down</a:t>
             </a:r>
           </a:p>
         </p:txBody>

--- a/images/rings_view.pptx
+++ b/images/rings_view.pptx
@@ -6,6 +6,7 @@
   </p:sldMasterIdLst>
   <p:sldIdLst>
     <p:sldId id="256" r:id="rId2"/>
+    <p:sldId id="257" r:id="rId3"/>
   </p:sldIdLst>
   <p:sldSz cx="12192000" cy="6858000"/>
   <p:notesSz cx="6858000" cy="9144000"/>
@@ -259,7 +260,7 @@
           <a:p>
             <a:fld id="{21E551C3-7F2F-4BDB-9D5B-1CD444400D03}" type="datetimeFigureOut">
               <a:rPr lang="pl-PL" smtClean="0"/>
-              <a:t>16.11.2024</a:t>
+              <a:t>28.11.2024</a:t>
             </a:fld>
             <a:endParaRPr lang="pl-PL"/>
           </a:p>
@@ -457,7 +458,7 @@
           <a:p>
             <a:fld id="{21E551C3-7F2F-4BDB-9D5B-1CD444400D03}" type="datetimeFigureOut">
               <a:rPr lang="pl-PL" smtClean="0"/>
-              <a:t>16.11.2024</a:t>
+              <a:t>28.11.2024</a:t>
             </a:fld>
             <a:endParaRPr lang="pl-PL"/>
           </a:p>
@@ -665,7 +666,7 @@
           <a:p>
             <a:fld id="{21E551C3-7F2F-4BDB-9D5B-1CD444400D03}" type="datetimeFigureOut">
               <a:rPr lang="pl-PL" smtClean="0"/>
-              <a:t>16.11.2024</a:t>
+              <a:t>28.11.2024</a:t>
             </a:fld>
             <a:endParaRPr lang="pl-PL"/>
           </a:p>
@@ -863,7 +864,7 @@
           <a:p>
             <a:fld id="{21E551C3-7F2F-4BDB-9D5B-1CD444400D03}" type="datetimeFigureOut">
               <a:rPr lang="pl-PL" smtClean="0"/>
-              <a:t>16.11.2024</a:t>
+              <a:t>28.11.2024</a:t>
             </a:fld>
             <a:endParaRPr lang="pl-PL"/>
           </a:p>
@@ -1138,7 +1139,7 @@
           <a:p>
             <a:fld id="{21E551C3-7F2F-4BDB-9D5B-1CD444400D03}" type="datetimeFigureOut">
               <a:rPr lang="pl-PL" smtClean="0"/>
-              <a:t>16.11.2024</a:t>
+              <a:t>28.11.2024</a:t>
             </a:fld>
             <a:endParaRPr lang="pl-PL"/>
           </a:p>
@@ -1403,7 +1404,7 @@
           <a:p>
             <a:fld id="{21E551C3-7F2F-4BDB-9D5B-1CD444400D03}" type="datetimeFigureOut">
               <a:rPr lang="pl-PL" smtClean="0"/>
-              <a:t>16.11.2024</a:t>
+              <a:t>28.11.2024</a:t>
             </a:fld>
             <a:endParaRPr lang="pl-PL"/>
           </a:p>
@@ -1815,7 +1816,7 @@
           <a:p>
             <a:fld id="{21E551C3-7F2F-4BDB-9D5B-1CD444400D03}" type="datetimeFigureOut">
               <a:rPr lang="pl-PL" smtClean="0"/>
-              <a:t>16.11.2024</a:t>
+              <a:t>28.11.2024</a:t>
             </a:fld>
             <a:endParaRPr lang="pl-PL"/>
           </a:p>
@@ -1956,7 +1957,7 @@
           <a:p>
             <a:fld id="{21E551C3-7F2F-4BDB-9D5B-1CD444400D03}" type="datetimeFigureOut">
               <a:rPr lang="pl-PL" smtClean="0"/>
-              <a:t>16.11.2024</a:t>
+              <a:t>28.11.2024</a:t>
             </a:fld>
             <a:endParaRPr lang="pl-PL"/>
           </a:p>
@@ -2069,7 +2070,7 @@
           <a:p>
             <a:fld id="{21E551C3-7F2F-4BDB-9D5B-1CD444400D03}" type="datetimeFigureOut">
               <a:rPr lang="pl-PL" smtClean="0"/>
-              <a:t>16.11.2024</a:t>
+              <a:t>28.11.2024</a:t>
             </a:fld>
             <a:endParaRPr lang="pl-PL"/>
           </a:p>
@@ -2380,7 +2381,7 @@
           <a:p>
             <a:fld id="{21E551C3-7F2F-4BDB-9D5B-1CD444400D03}" type="datetimeFigureOut">
               <a:rPr lang="pl-PL" smtClean="0"/>
-              <a:t>16.11.2024</a:t>
+              <a:t>28.11.2024</a:t>
             </a:fld>
             <a:endParaRPr lang="pl-PL"/>
           </a:p>
@@ -2668,7 +2669,7 @@
           <a:p>
             <a:fld id="{21E551C3-7F2F-4BDB-9D5B-1CD444400D03}" type="datetimeFigureOut">
               <a:rPr lang="pl-PL" smtClean="0"/>
-              <a:t>16.11.2024</a:t>
+              <a:t>28.11.2024</a:t>
             </a:fld>
             <a:endParaRPr lang="pl-PL"/>
           </a:p>
@@ -2909,7 +2910,7 @@
           <a:p>
             <a:fld id="{21E551C3-7F2F-4BDB-9D5B-1CD444400D03}" type="datetimeFigureOut">
               <a:rPr lang="pl-PL" smtClean="0"/>
-              <a:t>16.11.2024</a:t>
+              <a:t>28.11.2024</a:t>
             </a:fld>
             <a:endParaRPr lang="pl-PL"/>
           </a:p>
@@ -4324,6 +4325,1186 @@
 </p:sld>
 </file>
 
+<file path=ppt/slides/slide2.xml><?xml version="1.0" encoding="utf-8"?>
+<p:sld xmlns:a="http://schemas.openxmlformats.org/drawingml/2006/main" xmlns:r="http://schemas.openxmlformats.org/officeDocument/2006/relationships" xmlns:p="http://schemas.openxmlformats.org/presentationml/2006/main">
+  <p:cSld>
+    <p:spTree>
+      <p:nvGrpSpPr>
+        <p:cNvPr id="1" name=""/>
+        <p:cNvGrpSpPr/>
+        <p:nvPr/>
+      </p:nvGrpSpPr>
+      <p:grpSpPr>
+        <a:xfrm>
+          <a:off x="0" y="0"/>
+          <a:ext cx="0" cy="0"/>
+          <a:chOff x="0" y="0"/>
+          <a:chExt cx="0" cy="0"/>
+        </a:xfrm>
+      </p:grpSpPr>
+      <p:pic>
+        <p:nvPicPr>
+          <p:cNvPr id="5" name="Obraz 4" descr="Obraz zawierający metr&#10;&#10;Opis wygenerowany automatycznie przy średnim poziomie pewności">
+            <a:extLst>
+              <a:ext uri="{FF2B5EF4-FFF2-40B4-BE49-F238E27FC236}">
+                <a16:creationId xmlns:a16="http://schemas.microsoft.com/office/drawing/2014/main" id="{039633FD-5C3A-4660-E630-D8F3A4782225}"/>
+              </a:ext>
+            </a:extLst>
+          </p:cNvPr>
+          <p:cNvPicPr>
+            <a:picLocks noGrp="1" noRot="1" noChangeAspect="1" noMove="1" noResize="1" noEditPoints="1" noAdjustHandles="1" noChangeArrowheads="1" noChangeShapeType="1" noCrop="1"/>
+          </p:cNvPicPr>
+          <p:nvPr/>
+        </p:nvPicPr>
+        <p:blipFill>
+          <a:blip r:embed="rId2">
+            <a:extLst>
+              <a:ext uri="{28A0092B-C50C-407E-A947-70E740481C1C}">
+                <a14:useLocalDpi xmlns:a14="http://schemas.microsoft.com/office/drawing/2010/main" val="0"/>
+              </a:ext>
+            </a:extLst>
+          </a:blip>
+          <a:stretch>
+            <a:fillRect/>
+          </a:stretch>
+        </p:blipFill>
+        <p:spPr>
+          <a:xfrm>
+            <a:off x="3439083" y="1099035"/>
+            <a:ext cx="5386456" cy="3306475"/>
+          </a:xfrm>
+          <a:prstGeom prst="rect">
+            <a:avLst/>
+          </a:prstGeom>
+        </p:spPr>
+      </p:pic>
+      <p:sp>
+        <p:nvSpPr>
+          <p:cNvPr id="6" name="Strzałka: w cztery strony 5">
+            <a:extLst>
+              <a:ext uri="{FF2B5EF4-FFF2-40B4-BE49-F238E27FC236}">
+                <a16:creationId xmlns:a16="http://schemas.microsoft.com/office/drawing/2014/main" id="{BCBA01B3-CAA5-CFAA-E82C-348EC73089AE}"/>
+              </a:ext>
+            </a:extLst>
+          </p:cNvPr>
+          <p:cNvSpPr/>
+          <p:nvPr/>
+        </p:nvSpPr>
+        <p:spPr>
+          <a:xfrm rot="19211605">
+            <a:off x="3020860" y="2355987"/>
+            <a:ext cx="1971053" cy="1971053"/>
+          </a:xfrm>
+          <a:prstGeom prst="quadArrow">
+            <a:avLst>
+              <a:gd name="adj1" fmla="val 6929"/>
+              <a:gd name="adj2" fmla="val 7266"/>
+              <a:gd name="adj3" fmla="val 8691"/>
+            </a:avLst>
+          </a:prstGeom>
+          <a:solidFill>
+            <a:schemeClr val="bg1"/>
+          </a:solidFill>
+          <a:ln>
+            <a:solidFill>
+              <a:schemeClr val="tx1"/>
+            </a:solidFill>
+          </a:ln>
+          <a:scene3d>
+            <a:camera prst="perspectiveContrastingLeftFacing"/>
+            <a:lightRig rig="threePt" dir="t"/>
+          </a:scene3d>
+        </p:spPr>
+        <p:style>
+          <a:lnRef idx="2">
+            <a:schemeClr val="accent1">
+              <a:shade val="15000"/>
+            </a:schemeClr>
+          </a:lnRef>
+          <a:fillRef idx="1">
+            <a:schemeClr val="accent1"/>
+          </a:fillRef>
+          <a:effectRef idx="0">
+            <a:schemeClr val="accent1"/>
+          </a:effectRef>
+          <a:fontRef idx="minor">
+            <a:schemeClr val="lt1"/>
+          </a:fontRef>
+        </p:style>
+        <p:txBody>
+          <a:bodyPr rtlCol="0" anchor="ctr"/>
+          <a:lstStyle/>
+          <a:p>
+            <a:pPr algn="ctr"/>
+            <a:endParaRPr lang="pl-PL"/>
+          </a:p>
+        </p:txBody>
+      </p:sp>
+      <p:sp>
+        <p:nvSpPr>
+          <p:cNvPr id="9" name="pole tekstowe 8">
+            <a:extLst>
+              <a:ext uri="{FF2B5EF4-FFF2-40B4-BE49-F238E27FC236}">
+                <a16:creationId xmlns:a16="http://schemas.microsoft.com/office/drawing/2014/main" id="{21BEB4FF-2084-0A9F-7B3D-8026E2FE44AF}"/>
+              </a:ext>
+            </a:extLst>
+          </p:cNvPr>
+          <p:cNvSpPr txBox="1"/>
+          <p:nvPr/>
+        </p:nvSpPr>
+        <p:spPr>
+          <a:xfrm rot="19493210">
+            <a:off x="4570221" y="2603105"/>
+            <a:ext cx="1048051" cy="369332"/>
+          </a:xfrm>
+          <a:prstGeom prst="rect">
+            <a:avLst/>
+          </a:prstGeom>
+          <a:scene3d>
+            <a:camera prst="perspectiveHeroicExtremeLeftFacing"/>
+            <a:lightRig rig="threePt" dir="t"/>
+          </a:scene3d>
+        </p:spPr>
+        <p:style>
+          <a:lnRef idx="2">
+            <a:schemeClr val="dk1"/>
+          </a:lnRef>
+          <a:fillRef idx="1">
+            <a:schemeClr val="lt1"/>
+          </a:fillRef>
+          <a:effectRef idx="0">
+            <a:schemeClr val="dk1"/>
+          </a:effectRef>
+          <a:fontRef idx="minor">
+            <a:schemeClr val="dk1"/>
+          </a:fontRef>
+        </p:style>
+        <p:txBody>
+          <a:bodyPr wrap="square" rtlCol="0">
+            <a:spAutoFit/>
+          </a:bodyPr>
+          <a:lstStyle/>
+          <a:p>
+            <a:r>
+              <a:rPr lang="pl-PL" dirty="0"/>
+              <a:t>X </a:t>
+            </a:r>
+            <a:r>
+              <a:rPr lang="pl-PL" dirty="0" err="1"/>
+              <a:t>axis</a:t>
+            </a:r>
+            <a:endParaRPr lang="pl-PL" dirty="0"/>
+          </a:p>
+        </p:txBody>
+      </p:sp>
+      <p:sp>
+        <p:nvSpPr>
+          <p:cNvPr id="11" name="pole tekstowe 10">
+            <a:extLst>
+              <a:ext uri="{FF2B5EF4-FFF2-40B4-BE49-F238E27FC236}">
+                <a16:creationId xmlns:a16="http://schemas.microsoft.com/office/drawing/2014/main" id="{C32A0586-F4A5-1437-1272-AF8AD32A31AC}"/>
+              </a:ext>
+            </a:extLst>
+          </p:cNvPr>
+          <p:cNvSpPr txBox="1"/>
+          <p:nvPr/>
+        </p:nvSpPr>
+        <p:spPr>
+          <a:xfrm rot="19464703">
+            <a:off x="2741718" y="3694573"/>
+            <a:ext cx="562976" cy="276999"/>
+          </a:xfrm>
+          <a:prstGeom prst="rect">
+            <a:avLst/>
+          </a:prstGeom>
+          <a:scene3d>
+            <a:camera prst="perspectiveHeroicExtremeLeftFacing"/>
+            <a:lightRig rig="threePt" dir="t"/>
+          </a:scene3d>
+        </p:spPr>
+        <p:style>
+          <a:lnRef idx="2">
+            <a:schemeClr val="dk1"/>
+          </a:lnRef>
+          <a:fillRef idx="1">
+            <a:schemeClr val="lt1"/>
+          </a:fillRef>
+          <a:effectRef idx="0">
+            <a:schemeClr val="dk1"/>
+          </a:effectRef>
+          <a:fontRef idx="minor">
+            <a:schemeClr val="dk1"/>
+          </a:fontRef>
+        </p:style>
+        <p:txBody>
+          <a:bodyPr wrap="none" rtlCol="0">
+            <a:spAutoFit/>
+          </a:bodyPr>
+          <a:lstStyle/>
+          <a:p>
+            <a:pPr algn="r"/>
+            <a:r>
+              <a:rPr lang="pl-PL" sz="1200" dirty="0"/>
+              <a:t>X </a:t>
+            </a:r>
+            <a:r>
+              <a:rPr lang="pl-PL" sz="1200" dirty="0" err="1"/>
+              <a:t>axis</a:t>
+            </a:r>
+            <a:endParaRPr lang="pl-PL" sz="1200" dirty="0"/>
+          </a:p>
+        </p:txBody>
+      </p:sp>
+      <p:sp>
+        <p:nvSpPr>
+          <p:cNvPr id="12" name="pole tekstowe 11">
+            <a:extLst>
+              <a:ext uri="{FF2B5EF4-FFF2-40B4-BE49-F238E27FC236}">
+                <a16:creationId xmlns:a16="http://schemas.microsoft.com/office/drawing/2014/main" id="{FE105A19-A284-BFE8-F6AE-DACDCC40AF3A}"/>
+              </a:ext>
+            </a:extLst>
+          </p:cNvPr>
+          <p:cNvSpPr txBox="1"/>
+          <p:nvPr/>
+        </p:nvSpPr>
+        <p:spPr>
+          <a:xfrm rot="19476682">
+            <a:off x="2943036" y="2189294"/>
+            <a:ext cx="686406" cy="338554"/>
+          </a:xfrm>
+          <a:prstGeom prst="rect">
+            <a:avLst/>
+          </a:prstGeom>
+          <a:scene3d>
+            <a:camera prst="perspectiveHeroicExtremeLeftFacing"/>
+            <a:lightRig rig="threePt" dir="t"/>
+          </a:scene3d>
+        </p:spPr>
+        <p:style>
+          <a:lnRef idx="2">
+            <a:schemeClr val="dk1"/>
+          </a:lnRef>
+          <a:fillRef idx="1">
+            <a:schemeClr val="lt1"/>
+          </a:fillRef>
+          <a:effectRef idx="0">
+            <a:schemeClr val="dk1"/>
+          </a:effectRef>
+          <a:fontRef idx="minor">
+            <a:schemeClr val="dk1"/>
+          </a:fontRef>
+        </p:style>
+        <p:txBody>
+          <a:bodyPr wrap="none" rtlCol="0">
+            <a:spAutoFit/>
+          </a:bodyPr>
+          <a:lstStyle/>
+          <a:p>
+            <a:pPr algn="ctr"/>
+            <a:r>
+              <a:rPr lang="pl-PL" sz="1600" dirty="0"/>
+              <a:t>Y </a:t>
+            </a:r>
+            <a:r>
+              <a:rPr lang="pl-PL" sz="1600" dirty="0" err="1"/>
+              <a:t>axis</a:t>
+            </a:r>
+            <a:endParaRPr lang="pl-PL" sz="1600" dirty="0"/>
+          </a:p>
+        </p:txBody>
+      </p:sp>
+      <p:sp>
+        <p:nvSpPr>
+          <p:cNvPr id="13" name="pole tekstowe 12">
+            <a:extLst>
+              <a:ext uri="{FF2B5EF4-FFF2-40B4-BE49-F238E27FC236}">
+                <a16:creationId xmlns:a16="http://schemas.microsoft.com/office/drawing/2014/main" id="{AE130D75-A8FF-506F-B967-6966B2815ED5}"/>
+              </a:ext>
+            </a:extLst>
+          </p:cNvPr>
+          <p:cNvSpPr txBox="1"/>
+          <p:nvPr/>
+        </p:nvSpPr>
+        <p:spPr>
+          <a:xfrm rot="19705260">
+            <a:off x="4366436" y="4149325"/>
+            <a:ext cx="623890" cy="307777"/>
+          </a:xfrm>
+          <a:prstGeom prst="rect">
+            <a:avLst/>
+          </a:prstGeom>
+          <a:scene3d>
+            <a:camera prst="perspectiveHeroicExtremeLeftFacing"/>
+            <a:lightRig rig="threePt" dir="t"/>
+          </a:scene3d>
+        </p:spPr>
+        <p:style>
+          <a:lnRef idx="2">
+            <a:schemeClr val="dk1"/>
+          </a:lnRef>
+          <a:fillRef idx="1">
+            <a:schemeClr val="lt1"/>
+          </a:fillRef>
+          <a:effectRef idx="0">
+            <a:schemeClr val="dk1"/>
+          </a:effectRef>
+          <a:fontRef idx="minor">
+            <a:schemeClr val="dk1"/>
+          </a:fontRef>
+        </p:style>
+        <p:txBody>
+          <a:bodyPr wrap="none" rtlCol="0">
+            <a:spAutoFit/>
+          </a:bodyPr>
+          <a:lstStyle/>
+          <a:p>
+            <a:pPr algn="ctr"/>
+            <a:r>
+              <a:rPr lang="pl-PL" sz="1400" dirty="0"/>
+              <a:t>Y </a:t>
+            </a:r>
+            <a:r>
+              <a:rPr lang="pl-PL" sz="1400" dirty="0" err="1"/>
+              <a:t>axis</a:t>
+            </a:r>
+            <a:endParaRPr lang="pl-PL" sz="1400" dirty="0"/>
+          </a:p>
+        </p:txBody>
+      </p:sp>
+      <p:sp>
+        <p:nvSpPr>
+          <p:cNvPr id="14" name="Strzałka: w cztery strony 13">
+            <a:extLst>
+              <a:ext uri="{FF2B5EF4-FFF2-40B4-BE49-F238E27FC236}">
+                <a16:creationId xmlns:a16="http://schemas.microsoft.com/office/drawing/2014/main" id="{ADA4F023-52B9-A8B0-2B1B-CFEBEC336BC6}"/>
+              </a:ext>
+            </a:extLst>
+          </p:cNvPr>
+          <p:cNvSpPr/>
+          <p:nvPr/>
+        </p:nvSpPr>
+        <p:spPr>
+          <a:xfrm rot="1479853">
+            <a:off x="6211273" y="2797634"/>
+            <a:ext cx="1858826" cy="1932561"/>
+          </a:xfrm>
+          <a:prstGeom prst="quadArrow">
+            <a:avLst>
+              <a:gd name="adj1" fmla="val 8274"/>
+              <a:gd name="adj2" fmla="val 8957"/>
+              <a:gd name="adj3" fmla="val 9325"/>
+            </a:avLst>
+          </a:prstGeom>
+          <a:solidFill>
+            <a:schemeClr val="bg1"/>
+          </a:solidFill>
+          <a:ln>
+            <a:solidFill>
+              <a:schemeClr val="tx1"/>
+            </a:solidFill>
+          </a:ln>
+          <a:scene3d>
+            <a:camera prst="isometricOffAxis2Left"/>
+            <a:lightRig rig="threePt" dir="t"/>
+          </a:scene3d>
+        </p:spPr>
+        <p:style>
+          <a:lnRef idx="2">
+            <a:schemeClr val="accent1">
+              <a:shade val="15000"/>
+            </a:schemeClr>
+          </a:lnRef>
+          <a:fillRef idx="1">
+            <a:schemeClr val="accent1"/>
+          </a:fillRef>
+          <a:effectRef idx="0">
+            <a:schemeClr val="accent1"/>
+          </a:effectRef>
+          <a:fontRef idx="minor">
+            <a:schemeClr val="lt1"/>
+          </a:fontRef>
+        </p:style>
+        <p:txBody>
+          <a:bodyPr rtlCol="0" anchor="ctr"/>
+          <a:lstStyle/>
+          <a:p>
+            <a:pPr algn="ctr"/>
+            <a:endParaRPr lang="pl-PL"/>
+          </a:p>
+        </p:txBody>
+      </p:sp>
+      <p:sp>
+        <p:nvSpPr>
+          <p:cNvPr id="15" name="pole tekstowe 14">
+            <a:extLst>
+              <a:ext uri="{FF2B5EF4-FFF2-40B4-BE49-F238E27FC236}">
+                <a16:creationId xmlns:a16="http://schemas.microsoft.com/office/drawing/2014/main" id="{E884E647-8CFD-740F-44B5-A7804BB58E35}"/>
+              </a:ext>
+            </a:extLst>
+          </p:cNvPr>
+          <p:cNvSpPr txBox="1"/>
+          <p:nvPr/>
+        </p:nvSpPr>
+        <p:spPr>
+          <a:xfrm rot="1443252">
+            <a:off x="5613689" y="2835284"/>
+            <a:ext cx="752130" cy="369332"/>
+          </a:xfrm>
+          <a:prstGeom prst="rect">
+            <a:avLst/>
+          </a:prstGeom>
+          <a:scene3d>
+            <a:camera prst="isometricOffAxis2Left"/>
+            <a:lightRig rig="threePt" dir="t"/>
+          </a:scene3d>
+        </p:spPr>
+        <p:style>
+          <a:lnRef idx="2">
+            <a:schemeClr val="dk1"/>
+          </a:lnRef>
+          <a:fillRef idx="1">
+            <a:schemeClr val="lt1"/>
+          </a:fillRef>
+          <a:effectRef idx="0">
+            <a:schemeClr val="dk1"/>
+          </a:effectRef>
+          <a:fontRef idx="minor">
+            <a:schemeClr val="dk1"/>
+          </a:fontRef>
+        </p:style>
+        <p:txBody>
+          <a:bodyPr wrap="none" rtlCol="0">
+            <a:spAutoFit/>
+          </a:bodyPr>
+          <a:lstStyle/>
+          <a:p>
+            <a:pPr algn="r"/>
+            <a:r>
+              <a:rPr lang="pl-PL" dirty="0"/>
+              <a:t>X </a:t>
+            </a:r>
+            <a:r>
+              <a:rPr lang="pl-PL" dirty="0" err="1"/>
+              <a:t>axis</a:t>
+            </a:r>
+            <a:endParaRPr lang="pl-PL" dirty="0"/>
+          </a:p>
+        </p:txBody>
+      </p:sp>
+      <p:sp>
+        <p:nvSpPr>
+          <p:cNvPr id="16" name="pole tekstowe 15">
+            <a:extLst>
+              <a:ext uri="{FF2B5EF4-FFF2-40B4-BE49-F238E27FC236}">
+                <a16:creationId xmlns:a16="http://schemas.microsoft.com/office/drawing/2014/main" id="{A1347E52-BE8E-A7FA-4767-DD6FD76ED371}"/>
+              </a:ext>
+            </a:extLst>
+          </p:cNvPr>
+          <p:cNvSpPr txBox="1"/>
+          <p:nvPr/>
+        </p:nvSpPr>
+        <p:spPr>
+          <a:xfrm rot="1405972">
+            <a:off x="7965344" y="4346761"/>
+            <a:ext cx="627095" cy="307777"/>
+          </a:xfrm>
+          <a:prstGeom prst="rect">
+            <a:avLst/>
+          </a:prstGeom>
+          <a:scene3d>
+            <a:camera prst="isometricOffAxis2Left"/>
+            <a:lightRig rig="threePt" dir="t"/>
+          </a:scene3d>
+        </p:spPr>
+        <p:style>
+          <a:lnRef idx="2">
+            <a:schemeClr val="dk1"/>
+          </a:lnRef>
+          <a:fillRef idx="1">
+            <a:schemeClr val="lt1"/>
+          </a:fillRef>
+          <a:effectRef idx="0">
+            <a:schemeClr val="dk1"/>
+          </a:effectRef>
+          <a:fontRef idx="minor">
+            <a:schemeClr val="dk1"/>
+          </a:fontRef>
+        </p:style>
+        <p:txBody>
+          <a:bodyPr wrap="none" rtlCol="0">
+            <a:spAutoFit/>
+          </a:bodyPr>
+          <a:lstStyle/>
+          <a:p>
+            <a:r>
+              <a:rPr lang="pl-PL" sz="1400" dirty="0"/>
+              <a:t>X </a:t>
+            </a:r>
+            <a:r>
+              <a:rPr lang="pl-PL" sz="1400" dirty="0" err="1"/>
+              <a:t>axis</a:t>
+            </a:r>
+            <a:endParaRPr lang="pl-PL" sz="1400" dirty="0"/>
+          </a:p>
+        </p:txBody>
+      </p:sp>
+      <p:sp>
+        <p:nvSpPr>
+          <p:cNvPr id="17" name="pole tekstowe 16">
+            <a:extLst>
+              <a:ext uri="{FF2B5EF4-FFF2-40B4-BE49-F238E27FC236}">
+                <a16:creationId xmlns:a16="http://schemas.microsoft.com/office/drawing/2014/main" id="{1B2A3A0B-EB43-E3A3-8B2F-F41B07C2197D}"/>
+              </a:ext>
+            </a:extLst>
+          </p:cNvPr>
+          <p:cNvSpPr txBox="1"/>
+          <p:nvPr/>
+        </p:nvSpPr>
+        <p:spPr>
+          <a:xfrm rot="1405972">
+            <a:off x="7274280" y="2555706"/>
+            <a:ext cx="686406" cy="338554"/>
+          </a:xfrm>
+          <a:prstGeom prst="rect">
+            <a:avLst/>
+          </a:prstGeom>
+          <a:scene3d>
+            <a:camera prst="isometricOffAxis2Left"/>
+            <a:lightRig rig="threePt" dir="t"/>
+          </a:scene3d>
+        </p:spPr>
+        <p:style>
+          <a:lnRef idx="2">
+            <a:schemeClr val="dk1"/>
+          </a:lnRef>
+          <a:fillRef idx="1">
+            <a:schemeClr val="lt1"/>
+          </a:fillRef>
+          <a:effectRef idx="0">
+            <a:schemeClr val="dk1"/>
+          </a:effectRef>
+          <a:fontRef idx="minor">
+            <a:schemeClr val="dk1"/>
+          </a:fontRef>
+        </p:style>
+        <p:txBody>
+          <a:bodyPr wrap="none" rtlCol="0">
+            <a:spAutoFit/>
+          </a:bodyPr>
+          <a:lstStyle/>
+          <a:p>
+            <a:pPr algn="ctr"/>
+            <a:r>
+              <a:rPr lang="pl-PL" sz="1600" dirty="0"/>
+              <a:t>Y </a:t>
+            </a:r>
+            <a:r>
+              <a:rPr lang="pl-PL" sz="1600" dirty="0" err="1"/>
+              <a:t>axis</a:t>
+            </a:r>
+            <a:endParaRPr lang="pl-PL" sz="1600" dirty="0"/>
+          </a:p>
+        </p:txBody>
+      </p:sp>
+      <p:sp>
+        <p:nvSpPr>
+          <p:cNvPr id="20" name="pole tekstowe 19">
+            <a:extLst>
+              <a:ext uri="{FF2B5EF4-FFF2-40B4-BE49-F238E27FC236}">
+                <a16:creationId xmlns:a16="http://schemas.microsoft.com/office/drawing/2014/main" id="{EDA87FE0-666A-592D-4704-6BE60642DBFC}"/>
+              </a:ext>
+            </a:extLst>
+          </p:cNvPr>
+          <p:cNvSpPr txBox="1"/>
+          <p:nvPr/>
+        </p:nvSpPr>
+        <p:spPr>
+          <a:xfrm>
+            <a:off x="2682855" y="4263183"/>
+            <a:ext cx="1011238" cy="523220"/>
+          </a:xfrm>
+          <a:prstGeom prst="rect">
+            <a:avLst/>
+          </a:prstGeom>
+          <a:solidFill>
+            <a:schemeClr val="bg1"/>
+          </a:solidFill>
+          <a:scene3d>
+            <a:camera prst="perspectiveContrastingLeftFacing"/>
+            <a:lightRig rig="threePt" dir="t"/>
+          </a:scene3d>
+        </p:spPr>
+        <p:style>
+          <a:lnRef idx="2">
+            <a:schemeClr val="dk1"/>
+          </a:lnRef>
+          <a:fillRef idx="1">
+            <a:schemeClr val="lt1"/>
+          </a:fillRef>
+          <a:effectRef idx="0">
+            <a:schemeClr val="dk1"/>
+          </a:effectRef>
+          <a:fontRef idx="minor">
+            <a:schemeClr val="dk1"/>
+          </a:fontRef>
+        </p:style>
+        <p:txBody>
+          <a:bodyPr wrap="none" rtlCol="0">
+            <a:spAutoFit/>
+          </a:bodyPr>
+          <a:lstStyle/>
+          <a:p>
+            <a:pPr algn="ctr"/>
+            <a:r>
+              <a:rPr lang="pl-PL" sz="1400" dirty="0" err="1"/>
+              <a:t>left</a:t>
+            </a:r>
+            <a:r>
+              <a:rPr lang="pl-PL" sz="1400" dirty="0"/>
+              <a:t> </a:t>
+            </a:r>
+            <a:r>
+              <a:rPr lang="pl-PL" sz="1400" dirty="0" err="1"/>
+              <a:t>mouse</a:t>
+            </a:r>
+            <a:endParaRPr lang="pl-PL" sz="1400" dirty="0"/>
+          </a:p>
+          <a:p>
+            <a:pPr algn="ctr"/>
+            <a:r>
+              <a:rPr lang="pl-PL" sz="1400" dirty="0" err="1"/>
+              <a:t>click</a:t>
+            </a:r>
+            <a:endParaRPr lang="pl-PL" sz="1400" dirty="0"/>
+          </a:p>
+        </p:txBody>
+      </p:sp>
+      <p:sp>
+        <p:nvSpPr>
+          <p:cNvPr id="21" name="Strzałka: w górę 20">
+            <a:extLst>
+              <a:ext uri="{FF2B5EF4-FFF2-40B4-BE49-F238E27FC236}">
+                <a16:creationId xmlns:a16="http://schemas.microsoft.com/office/drawing/2014/main" id="{4E905B57-0AA3-E4CB-4D15-384FF070C37D}"/>
+              </a:ext>
+            </a:extLst>
+          </p:cNvPr>
+          <p:cNvSpPr/>
+          <p:nvPr/>
+        </p:nvSpPr>
+        <p:spPr>
+          <a:xfrm rot="2676613">
+            <a:off x="3344915" y="3301267"/>
+            <a:ext cx="441268" cy="1099850"/>
+          </a:xfrm>
+          <a:prstGeom prst="upArrow">
+            <a:avLst>
+              <a:gd name="adj1" fmla="val 50000"/>
+              <a:gd name="adj2" fmla="val 30426"/>
+            </a:avLst>
+          </a:prstGeom>
+          <a:solidFill>
+            <a:schemeClr val="bg1"/>
+          </a:solidFill>
+          <a:ln w="28575">
+            <a:solidFill>
+              <a:schemeClr val="tx1"/>
+            </a:solidFill>
+          </a:ln>
+          <a:scene3d>
+            <a:camera prst="isometricOffAxis2Right"/>
+            <a:lightRig rig="threePt" dir="t"/>
+          </a:scene3d>
+        </p:spPr>
+        <p:style>
+          <a:lnRef idx="2">
+            <a:schemeClr val="accent1">
+              <a:shade val="15000"/>
+            </a:schemeClr>
+          </a:lnRef>
+          <a:fillRef idx="1">
+            <a:schemeClr val="accent1"/>
+          </a:fillRef>
+          <a:effectRef idx="0">
+            <a:schemeClr val="accent1"/>
+          </a:effectRef>
+          <a:fontRef idx="minor">
+            <a:schemeClr val="lt1"/>
+          </a:fontRef>
+        </p:style>
+        <p:txBody>
+          <a:bodyPr rtlCol="0" anchor="ctr"/>
+          <a:lstStyle/>
+          <a:p>
+            <a:pPr algn="ctr"/>
+            <a:endParaRPr lang="pl-PL"/>
+          </a:p>
+        </p:txBody>
+      </p:sp>
+      <p:sp>
+        <p:nvSpPr>
+          <p:cNvPr id="18" name="pole tekstowe 17">
+            <a:extLst>
+              <a:ext uri="{FF2B5EF4-FFF2-40B4-BE49-F238E27FC236}">
+                <a16:creationId xmlns:a16="http://schemas.microsoft.com/office/drawing/2014/main" id="{823241AE-8F05-16A9-C2EA-AC3C0CF7B086}"/>
+              </a:ext>
+            </a:extLst>
+          </p:cNvPr>
+          <p:cNvSpPr txBox="1"/>
+          <p:nvPr/>
+        </p:nvSpPr>
+        <p:spPr>
+          <a:xfrm rot="1405972">
+            <a:off x="6344495" y="4649066"/>
+            <a:ext cx="623890" cy="307777"/>
+          </a:xfrm>
+          <a:prstGeom prst="rect">
+            <a:avLst/>
+          </a:prstGeom>
+          <a:scene3d>
+            <a:camera prst="isometricOffAxis2Left"/>
+            <a:lightRig rig="threePt" dir="t"/>
+          </a:scene3d>
+        </p:spPr>
+        <p:style>
+          <a:lnRef idx="2">
+            <a:schemeClr val="dk1"/>
+          </a:lnRef>
+          <a:fillRef idx="1">
+            <a:schemeClr val="lt1"/>
+          </a:fillRef>
+          <a:effectRef idx="0">
+            <a:schemeClr val="dk1"/>
+          </a:effectRef>
+          <a:fontRef idx="minor">
+            <a:schemeClr val="dk1"/>
+          </a:fontRef>
+        </p:style>
+        <p:txBody>
+          <a:bodyPr wrap="none" rtlCol="0">
+            <a:spAutoFit/>
+          </a:bodyPr>
+          <a:lstStyle/>
+          <a:p>
+            <a:pPr algn="ctr"/>
+            <a:r>
+              <a:rPr lang="pl-PL" sz="1400" dirty="0"/>
+              <a:t>Y </a:t>
+            </a:r>
+            <a:r>
+              <a:rPr lang="pl-PL" sz="1400" dirty="0" err="1"/>
+              <a:t>axis</a:t>
+            </a:r>
+            <a:endParaRPr lang="pl-PL" sz="1400" dirty="0"/>
+          </a:p>
+        </p:txBody>
+      </p:sp>
+      <p:sp>
+        <p:nvSpPr>
+          <p:cNvPr id="23" name="Strzałka: w górę 22">
+            <a:extLst>
+              <a:ext uri="{FF2B5EF4-FFF2-40B4-BE49-F238E27FC236}">
+                <a16:creationId xmlns:a16="http://schemas.microsoft.com/office/drawing/2014/main" id="{24AC0653-6743-2893-A8BA-4476FB68F446}"/>
+              </a:ext>
+            </a:extLst>
+          </p:cNvPr>
+          <p:cNvSpPr/>
+          <p:nvPr/>
+        </p:nvSpPr>
+        <p:spPr>
+          <a:xfrm rot="1185101">
+            <a:off x="6696757" y="3877437"/>
+            <a:ext cx="330363" cy="1488931"/>
+          </a:xfrm>
+          <a:prstGeom prst="upArrow">
+            <a:avLst>
+              <a:gd name="adj1" fmla="val 50000"/>
+              <a:gd name="adj2" fmla="val 30426"/>
+            </a:avLst>
+          </a:prstGeom>
+          <a:solidFill>
+            <a:schemeClr val="bg1"/>
+          </a:solidFill>
+          <a:ln>
+            <a:solidFill>
+              <a:schemeClr val="tx1"/>
+            </a:solidFill>
+          </a:ln>
+          <a:scene3d>
+            <a:camera prst="perspectiveContrastingRightFacing"/>
+            <a:lightRig rig="threePt" dir="t"/>
+          </a:scene3d>
+        </p:spPr>
+        <p:style>
+          <a:lnRef idx="2">
+            <a:schemeClr val="accent1">
+              <a:shade val="15000"/>
+            </a:schemeClr>
+          </a:lnRef>
+          <a:fillRef idx="1">
+            <a:schemeClr val="accent1"/>
+          </a:fillRef>
+          <a:effectRef idx="0">
+            <a:schemeClr val="accent1"/>
+          </a:effectRef>
+          <a:fontRef idx="minor">
+            <a:schemeClr val="lt1"/>
+          </a:fontRef>
+        </p:style>
+        <p:txBody>
+          <a:bodyPr rtlCol="0" anchor="ctr"/>
+          <a:lstStyle/>
+          <a:p>
+            <a:pPr algn="ctr"/>
+            <a:endParaRPr lang="pl-PL"/>
+          </a:p>
+        </p:txBody>
+      </p:sp>
+      <p:sp>
+        <p:nvSpPr>
+          <p:cNvPr id="22" name="pole tekstowe 21">
+            <a:extLst>
+              <a:ext uri="{FF2B5EF4-FFF2-40B4-BE49-F238E27FC236}">
+                <a16:creationId xmlns:a16="http://schemas.microsoft.com/office/drawing/2014/main" id="{817EA04B-DE11-AFFF-B887-0B4620348F48}"/>
+              </a:ext>
+            </a:extLst>
+          </p:cNvPr>
+          <p:cNvSpPr txBox="1"/>
+          <p:nvPr/>
+        </p:nvSpPr>
+        <p:spPr>
+          <a:xfrm rot="21418538">
+            <a:off x="6131649" y="5359677"/>
+            <a:ext cx="1033943" cy="523220"/>
+          </a:xfrm>
+          <a:prstGeom prst="rect">
+            <a:avLst/>
+          </a:prstGeom>
+          <a:solidFill>
+            <a:schemeClr val="bg1"/>
+          </a:solidFill>
+          <a:scene3d>
+            <a:camera prst="isometricOffAxis2Left"/>
+            <a:lightRig rig="threePt" dir="t"/>
+          </a:scene3d>
+        </p:spPr>
+        <p:style>
+          <a:lnRef idx="2">
+            <a:schemeClr val="dk1"/>
+          </a:lnRef>
+          <a:fillRef idx="1">
+            <a:schemeClr val="lt1"/>
+          </a:fillRef>
+          <a:effectRef idx="0">
+            <a:schemeClr val="dk1"/>
+          </a:effectRef>
+          <a:fontRef idx="minor">
+            <a:schemeClr val="dk1"/>
+          </a:fontRef>
+        </p:style>
+        <p:txBody>
+          <a:bodyPr wrap="square" rtlCol="0">
+            <a:spAutoFit/>
+          </a:bodyPr>
+          <a:lstStyle/>
+          <a:p>
+            <a:pPr algn="ctr"/>
+            <a:r>
+              <a:rPr lang="pl-PL" sz="1400" dirty="0" err="1"/>
+              <a:t>left</a:t>
+            </a:r>
+            <a:r>
+              <a:rPr lang="pl-PL" sz="1400" dirty="0"/>
+              <a:t> </a:t>
+            </a:r>
+            <a:r>
+              <a:rPr lang="pl-PL" sz="1400" dirty="0" err="1"/>
+              <a:t>mouse</a:t>
+            </a:r>
+            <a:endParaRPr lang="pl-PL" sz="1400" dirty="0"/>
+          </a:p>
+          <a:p>
+            <a:pPr algn="ctr"/>
+            <a:r>
+              <a:rPr lang="pl-PL" sz="1400" dirty="0" err="1"/>
+              <a:t>click</a:t>
+            </a:r>
+            <a:endParaRPr lang="pl-PL" sz="1400" dirty="0"/>
+          </a:p>
+        </p:txBody>
+      </p:sp>
+      <p:sp>
+        <p:nvSpPr>
+          <p:cNvPr id="2" name="pole tekstowe 1">
+            <a:extLst>
+              <a:ext uri="{FF2B5EF4-FFF2-40B4-BE49-F238E27FC236}">
+                <a16:creationId xmlns:a16="http://schemas.microsoft.com/office/drawing/2014/main" id="{AAE04259-230F-34D7-8C86-E17A27E70875}"/>
+              </a:ext>
+            </a:extLst>
+          </p:cNvPr>
+          <p:cNvSpPr txBox="1"/>
+          <p:nvPr/>
+        </p:nvSpPr>
+        <p:spPr>
+          <a:xfrm rot="21418538">
+            <a:off x="4719466" y="331460"/>
+            <a:ext cx="1162979" cy="461665"/>
+          </a:xfrm>
+          <a:prstGeom prst="rect">
+            <a:avLst/>
+          </a:prstGeom>
+          <a:solidFill>
+            <a:schemeClr val="bg1"/>
+          </a:solidFill>
+          <a:scene3d>
+            <a:camera prst="isometricOffAxis2Left"/>
+            <a:lightRig rig="threePt" dir="t"/>
+          </a:scene3d>
+        </p:spPr>
+        <p:style>
+          <a:lnRef idx="2">
+            <a:schemeClr val="dk1"/>
+          </a:lnRef>
+          <a:fillRef idx="1">
+            <a:schemeClr val="lt1"/>
+          </a:fillRef>
+          <a:effectRef idx="0">
+            <a:schemeClr val="dk1"/>
+          </a:effectRef>
+          <a:fontRef idx="minor">
+            <a:schemeClr val="dk1"/>
+          </a:fontRef>
+        </p:style>
+        <p:txBody>
+          <a:bodyPr wrap="square" rtlCol="0">
+            <a:spAutoFit/>
+          </a:bodyPr>
+          <a:lstStyle/>
+          <a:p>
+            <a:pPr algn="ctr"/>
+            <a:r>
+              <a:rPr lang="pl-PL" sz="1200" dirty="0" err="1"/>
+              <a:t>deep</a:t>
+            </a:r>
+            <a:r>
+              <a:rPr lang="pl-PL" sz="1200" dirty="0"/>
+              <a:t> </a:t>
+            </a:r>
+            <a:r>
+              <a:rPr lang="pl-PL" sz="1200" dirty="0" err="1"/>
+              <a:t>sleep</a:t>
+            </a:r>
+            <a:endParaRPr lang="pl-PL" sz="1200" dirty="0"/>
+          </a:p>
+          <a:p>
+            <a:pPr algn="ctr"/>
+            <a:r>
+              <a:rPr lang="pl-PL" sz="1200" dirty="0"/>
+              <a:t>reset</a:t>
+            </a:r>
+          </a:p>
+        </p:txBody>
+      </p:sp>
+      <p:sp>
+        <p:nvSpPr>
+          <p:cNvPr id="3" name="Strzałka: w dół 2">
+            <a:extLst>
+              <a:ext uri="{FF2B5EF4-FFF2-40B4-BE49-F238E27FC236}">
+                <a16:creationId xmlns:a16="http://schemas.microsoft.com/office/drawing/2014/main" id="{93A80AFB-5DD1-13A0-1317-AE9A7A0F89A6}"/>
+              </a:ext>
+            </a:extLst>
+          </p:cNvPr>
+          <p:cNvSpPr/>
+          <p:nvPr/>
+        </p:nvSpPr>
+        <p:spPr>
+          <a:xfrm rot="21375387">
+            <a:off x="6708590" y="1422880"/>
+            <a:ext cx="275896" cy="543378"/>
+          </a:xfrm>
+          <a:prstGeom prst="downArrow">
+            <a:avLst/>
+          </a:prstGeom>
+          <a:solidFill>
+            <a:schemeClr val="bg1"/>
+          </a:solidFill>
+          <a:ln w="28575">
+            <a:solidFill>
+              <a:schemeClr val="tx1"/>
+            </a:solidFill>
+          </a:ln>
+          <a:scene3d>
+            <a:camera prst="perspectiveContrastingLeftFacing"/>
+            <a:lightRig rig="threePt" dir="t"/>
+          </a:scene3d>
+        </p:spPr>
+        <p:style>
+          <a:lnRef idx="2">
+            <a:schemeClr val="accent1">
+              <a:shade val="15000"/>
+            </a:schemeClr>
+          </a:lnRef>
+          <a:fillRef idx="1">
+            <a:schemeClr val="accent1"/>
+          </a:fillRef>
+          <a:effectRef idx="0">
+            <a:schemeClr val="accent1"/>
+          </a:effectRef>
+          <a:fontRef idx="minor">
+            <a:schemeClr val="lt1"/>
+          </a:fontRef>
+        </p:style>
+        <p:txBody>
+          <a:bodyPr rtlCol="0" anchor="ctr"/>
+          <a:lstStyle/>
+          <a:p>
+            <a:pPr algn="ctr"/>
+            <a:endParaRPr lang="pl-PL"/>
+          </a:p>
+        </p:txBody>
+      </p:sp>
+      <p:sp>
+        <p:nvSpPr>
+          <p:cNvPr id="4" name="Strzałka: w dół 3">
+            <a:extLst>
+              <a:ext uri="{FF2B5EF4-FFF2-40B4-BE49-F238E27FC236}">
+                <a16:creationId xmlns:a16="http://schemas.microsoft.com/office/drawing/2014/main" id="{1475A8C6-E03D-79E1-3EAD-D41361A8FF01}"/>
+              </a:ext>
+            </a:extLst>
+          </p:cNvPr>
+          <p:cNvSpPr/>
+          <p:nvPr/>
+        </p:nvSpPr>
+        <p:spPr>
+          <a:xfrm rot="21375387">
+            <a:off x="5164997" y="862647"/>
+            <a:ext cx="275896" cy="543378"/>
+          </a:xfrm>
+          <a:prstGeom prst="downArrow">
+            <a:avLst/>
+          </a:prstGeom>
+          <a:solidFill>
+            <a:schemeClr val="bg1"/>
+          </a:solidFill>
+          <a:ln w="28575">
+            <a:solidFill>
+              <a:schemeClr val="tx1"/>
+            </a:solidFill>
+          </a:ln>
+          <a:scene3d>
+            <a:camera prst="perspectiveContrastingLeftFacing"/>
+            <a:lightRig rig="threePt" dir="t"/>
+          </a:scene3d>
+        </p:spPr>
+        <p:style>
+          <a:lnRef idx="2">
+            <a:schemeClr val="accent1">
+              <a:shade val="15000"/>
+            </a:schemeClr>
+          </a:lnRef>
+          <a:fillRef idx="1">
+            <a:schemeClr val="accent1"/>
+          </a:fillRef>
+          <a:effectRef idx="0">
+            <a:schemeClr val="accent1"/>
+          </a:effectRef>
+          <a:fontRef idx="minor">
+            <a:schemeClr val="lt1"/>
+          </a:fontRef>
+        </p:style>
+        <p:txBody>
+          <a:bodyPr rtlCol="0" anchor="ctr"/>
+          <a:lstStyle/>
+          <a:p>
+            <a:pPr algn="ctr"/>
+            <a:endParaRPr lang="pl-PL"/>
+          </a:p>
+        </p:txBody>
+      </p:sp>
+      <p:sp>
+        <p:nvSpPr>
+          <p:cNvPr id="10" name="pole tekstowe 9">
+            <a:extLst>
+              <a:ext uri="{FF2B5EF4-FFF2-40B4-BE49-F238E27FC236}">
+                <a16:creationId xmlns:a16="http://schemas.microsoft.com/office/drawing/2014/main" id="{C4A18CC3-C4A6-24B6-A07F-791BC7247DA0}"/>
+              </a:ext>
+            </a:extLst>
+          </p:cNvPr>
+          <p:cNvSpPr txBox="1"/>
+          <p:nvPr/>
+        </p:nvSpPr>
+        <p:spPr>
+          <a:xfrm rot="21418538">
+            <a:off x="6343856" y="843675"/>
+            <a:ext cx="1033943" cy="523220"/>
+          </a:xfrm>
+          <a:prstGeom prst="rect">
+            <a:avLst/>
+          </a:prstGeom>
+          <a:solidFill>
+            <a:schemeClr val="bg1"/>
+          </a:solidFill>
+          <a:scene3d>
+            <a:camera prst="perspectiveHeroicExtremeLeftFacing"/>
+            <a:lightRig rig="threePt" dir="t"/>
+          </a:scene3d>
+        </p:spPr>
+        <p:style>
+          <a:lnRef idx="2">
+            <a:schemeClr val="dk1"/>
+          </a:lnRef>
+          <a:fillRef idx="1">
+            <a:schemeClr val="lt1"/>
+          </a:fillRef>
+          <a:effectRef idx="0">
+            <a:schemeClr val="dk1"/>
+          </a:effectRef>
+          <a:fontRef idx="minor">
+            <a:schemeClr val="dk1"/>
+          </a:fontRef>
+        </p:style>
+        <p:txBody>
+          <a:bodyPr wrap="square" rtlCol="0">
+            <a:spAutoFit/>
+          </a:bodyPr>
+          <a:lstStyle/>
+          <a:p>
+            <a:pPr algn="ctr"/>
+            <a:r>
+              <a:rPr lang="pl-PL" sz="1400" dirty="0" err="1"/>
+              <a:t>deep</a:t>
+            </a:r>
+            <a:r>
+              <a:rPr lang="pl-PL" sz="1400" dirty="0"/>
+              <a:t> </a:t>
+            </a:r>
+            <a:r>
+              <a:rPr lang="pl-PL" sz="1400" dirty="0" err="1"/>
+              <a:t>sleep</a:t>
+            </a:r>
+            <a:endParaRPr lang="pl-PL" sz="1400" dirty="0"/>
+          </a:p>
+          <a:p>
+            <a:pPr algn="ctr"/>
+            <a:r>
+              <a:rPr lang="pl-PL" sz="1400" dirty="0"/>
+              <a:t>reset</a:t>
+            </a:r>
+          </a:p>
+        </p:txBody>
+      </p:sp>
+    </p:spTree>
+    <p:extLst>
+      <p:ext uri="{BB962C8B-B14F-4D97-AF65-F5344CB8AC3E}">
+        <p14:creationId xmlns:p14="http://schemas.microsoft.com/office/powerpoint/2010/main" val="2336459825"/>
+      </p:ext>
+    </p:extLst>
+  </p:cSld>
+  <p:clrMapOvr>
+    <a:masterClrMapping/>
+  </p:clrMapOvr>
+</p:sld>
+</file>
+
 <file path=ppt/theme/theme1.xml><?xml version="1.0" encoding="utf-8"?>
 <a:theme xmlns:a="http://schemas.openxmlformats.org/drawingml/2006/main" name="Motyw pakietu Office">
   <a:themeElements>
